--- a/ppt 16-9/1347.你要称颂耶和.pptx
+++ b/ppt 16-9/1347.你要称颂耶和.pptx
@@ -5,7 +5,7 @@
     <p:sldMasterId id="2147483648" r:id="rId1"/>
   </p:sldMasterIdLst>
   <p:sldIdLst>
-    <p:sldId id="906" r:id="rId2"/>
+    <p:sldId id="908" r:id="rId2"/>
   </p:sldIdLst>
   <p:sldSz cx="12192000" cy="6858000"/>
   <p:notesSz cx="6858000" cy="9144000"/>
@@ -129,7 +129,7 @@
           <p:cNvPr id="2" name="标题 1">
             <a:extLst>
               <a:ext uri="{FF2B5EF4-FFF2-40B4-BE49-F238E27FC236}">
-                <a16:creationId xmlns:a16="http://schemas.microsoft.com/office/drawing/2014/main" id="{E5C3FB4C-110F-8A4D-4161-42B0B2E1900D}"/>
+                <a16:creationId xmlns:a16="http://schemas.microsoft.com/office/drawing/2014/main" id="{C49148C9-CC33-B74F-DA1E-2F66ED248465}"/>
               </a:ext>
             </a:extLst>
           </p:cNvPr>
@@ -166,7 +166,7 @@
           <p:cNvPr id="3" name="副标题 2">
             <a:extLst>
               <a:ext uri="{FF2B5EF4-FFF2-40B4-BE49-F238E27FC236}">
-                <a16:creationId xmlns:a16="http://schemas.microsoft.com/office/drawing/2014/main" id="{A2B71DDA-D8A0-2CDC-32F7-FAF0A4EA87CD}"/>
+                <a16:creationId xmlns:a16="http://schemas.microsoft.com/office/drawing/2014/main" id="{27499B24-328C-88EB-373D-DAFCF1FEA886}"/>
               </a:ext>
             </a:extLst>
           </p:cNvPr>
@@ -236,7 +236,7 @@
           <p:cNvPr id="4" name="日期占位符 3">
             <a:extLst>
               <a:ext uri="{FF2B5EF4-FFF2-40B4-BE49-F238E27FC236}">
-                <a16:creationId xmlns:a16="http://schemas.microsoft.com/office/drawing/2014/main" id="{7EE5CF6A-C7F2-09E2-C459-E51CB2900AB2}"/>
+                <a16:creationId xmlns:a16="http://schemas.microsoft.com/office/drawing/2014/main" id="{5EB8E019-1E87-04D0-CBBD-042E9E28719D}"/>
               </a:ext>
             </a:extLst>
           </p:cNvPr>
@@ -252,7 +252,7 @@
           <a:bodyPr/>
           <a:lstStyle/>
           <a:p>
-            <a:fld id="{174E78B7-CCD5-4C5A-9C51-B76C41ED7F3A}" type="datetimeFigureOut">
+            <a:fld id="{7B1C4B4A-2C18-46F2-88DF-B3A2AA9AC8D9}" type="datetimeFigureOut">
               <a:rPr lang="zh-CN" altLang="en-US" smtClean="0"/>
               <a:t>2024/3/10</a:t>
             </a:fld>
@@ -265,7 +265,7 @@
           <p:cNvPr id="5" name="页脚占位符 4">
             <a:extLst>
               <a:ext uri="{FF2B5EF4-FFF2-40B4-BE49-F238E27FC236}">
-                <a16:creationId xmlns:a16="http://schemas.microsoft.com/office/drawing/2014/main" id="{F5A1FA5C-D7FC-189A-2829-AFAA38DA8C40}"/>
+                <a16:creationId xmlns:a16="http://schemas.microsoft.com/office/drawing/2014/main" id="{EF56BE06-D4FE-1AE6-3D3C-F99CD54CBBF6}"/>
               </a:ext>
             </a:extLst>
           </p:cNvPr>
@@ -290,7 +290,7 @@
           <p:cNvPr id="6" name="灯片编号占位符 5">
             <a:extLst>
               <a:ext uri="{FF2B5EF4-FFF2-40B4-BE49-F238E27FC236}">
-                <a16:creationId xmlns:a16="http://schemas.microsoft.com/office/drawing/2014/main" id="{053DF772-8F27-0C2A-3167-FE38C49DF808}"/>
+                <a16:creationId xmlns:a16="http://schemas.microsoft.com/office/drawing/2014/main" id="{7CA92AAD-B4BA-2FFC-D111-7C36E4DF8F76}"/>
               </a:ext>
             </a:extLst>
           </p:cNvPr>
@@ -306,7 +306,7 @@
           <a:bodyPr/>
           <a:lstStyle/>
           <a:p>
-            <a:fld id="{59701DB9-78D4-45BE-B03C-0E1198DE073F}" type="slidenum">
+            <a:fld id="{C113A649-D64F-42F6-9E6F-6E5FB21D20AF}" type="slidenum">
               <a:rPr lang="zh-CN" altLang="en-US" smtClean="0"/>
               <a:t>‹#›</a:t>
             </a:fld>
@@ -317,7 +317,7 @@
     </p:spTree>
     <p:extLst>
       <p:ext uri="{BB962C8B-B14F-4D97-AF65-F5344CB8AC3E}">
-        <p14:creationId xmlns:p14="http://schemas.microsoft.com/office/powerpoint/2010/main" val="3507127281"/>
+        <p14:creationId xmlns:p14="http://schemas.microsoft.com/office/powerpoint/2010/main" val="3148690449"/>
       </p:ext>
     </p:extLst>
   </p:cSld>
@@ -349,7 +349,7 @@
           <p:cNvPr id="2" name="标题 1">
             <a:extLst>
               <a:ext uri="{FF2B5EF4-FFF2-40B4-BE49-F238E27FC236}">
-                <a16:creationId xmlns:a16="http://schemas.microsoft.com/office/drawing/2014/main" id="{D03B374E-6DF8-2F6F-73CA-ACFB79256D18}"/>
+                <a16:creationId xmlns:a16="http://schemas.microsoft.com/office/drawing/2014/main" id="{56CE15F4-71F6-33EF-EB2A-1292DD997688}"/>
               </a:ext>
             </a:extLst>
           </p:cNvPr>
@@ -377,7 +377,7 @@
           <p:cNvPr id="3" name="竖排文字占位符 2">
             <a:extLst>
               <a:ext uri="{FF2B5EF4-FFF2-40B4-BE49-F238E27FC236}">
-                <a16:creationId xmlns:a16="http://schemas.microsoft.com/office/drawing/2014/main" id="{BE9C2A14-F095-A445-2D26-9A1EA0CDA685}"/>
+                <a16:creationId xmlns:a16="http://schemas.microsoft.com/office/drawing/2014/main" id="{E8F787B1-8DF6-DBF7-45C7-E43942BFAB99}"/>
               </a:ext>
             </a:extLst>
           </p:cNvPr>
@@ -434,7 +434,7 @@
           <p:cNvPr id="4" name="日期占位符 3">
             <a:extLst>
               <a:ext uri="{FF2B5EF4-FFF2-40B4-BE49-F238E27FC236}">
-                <a16:creationId xmlns:a16="http://schemas.microsoft.com/office/drawing/2014/main" id="{C0896119-73C4-1FF6-5CDB-AD26C9F7E4B7}"/>
+                <a16:creationId xmlns:a16="http://schemas.microsoft.com/office/drawing/2014/main" id="{D4A78AA2-B8B6-219E-CFB0-BD6B39F630B2}"/>
               </a:ext>
             </a:extLst>
           </p:cNvPr>
@@ -450,7 +450,7 @@
           <a:bodyPr/>
           <a:lstStyle/>
           <a:p>
-            <a:fld id="{174E78B7-CCD5-4C5A-9C51-B76C41ED7F3A}" type="datetimeFigureOut">
+            <a:fld id="{7B1C4B4A-2C18-46F2-88DF-B3A2AA9AC8D9}" type="datetimeFigureOut">
               <a:rPr lang="zh-CN" altLang="en-US" smtClean="0"/>
               <a:t>2024/3/10</a:t>
             </a:fld>
@@ -463,7 +463,7 @@
           <p:cNvPr id="5" name="页脚占位符 4">
             <a:extLst>
               <a:ext uri="{FF2B5EF4-FFF2-40B4-BE49-F238E27FC236}">
-                <a16:creationId xmlns:a16="http://schemas.microsoft.com/office/drawing/2014/main" id="{72605182-3FEC-1A26-ABD4-FC229236A699}"/>
+                <a16:creationId xmlns:a16="http://schemas.microsoft.com/office/drawing/2014/main" id="{FD58E062-BAB5-529C-C354-B06A8AEC9C87}"/>
               </a:ext>
             </a:extLst>
           </p:cNvPr>
@@ -488,7 +488,7 @@
           <p:cNvPr id="6" name="灯片编号占位符 5">
             <a:extLst>
               <a:ext uri="{FF2B5EF4-FFF2-40B4-BE49-F238E27FC236}">
-                <a16:creationId xmlns:a16="http://schemas.microsoft.com/office/drawing/2014/main" id="{72311064-CE22-9350-76A6-DD2221A443F1}"/>
+                <a16:creationId xmlns:a16="http://schemas.microsoft.com/office/drawing/2014/main" id="{C8550E7C-1EB0-B04C-0C30-80BE422ECA5E}"/>
               </a:ext>
             </a:extLst>
           </p:cNvPr>
@@ -504,7 +504,7 @@
           <a:bodyPr/>
           <a:lstStyle/>
           <a:p>
-            <a:fld id="{59701DB9-78D4-45BE-B03C-0E1198DE073F}" type="slidenum">
+            <a:fld id="{C113A649-D64F-42F6-9E6F-6E5FB21D20AF}" type="slidenum">
               <a:rPr lang="zh-CN" altLang="en-US" smtClean="0"/>
               <a:t>‹#›</a:t>
             </a:fld>
@@ -515,7 +515,7 @@
     </p:spTree>
     <p:extLst>
       <p:ext uri="{BB962C8B-B14F-4D97-AF65-F5344CB8AC3E}">
-        <p14:creationId xmlns:p14="http://schemas.microsoft.com/office/powerpoint/2010/main" val="396483879"/>
+        <p14:creationId xmlns:p14="http://schemas.microsoft.com/office/powerpoint/2010/main" val="812576404"/>
       </p:ext>
     </p:extLst>
   </p:cSld>
@@ -547,7 +547,7 @@
           <p:cNvPr id="2" name="竖排标题 1">
             <a:extLst>
               <a:ext uri="{FF2B5EF4-FFF2-40B4-BE49-F238E27FC236}">
-                <a16:creationId xmlns:a16="http://schemas.microsoft.com/office/drawing/2014/main" id="{2C909EFB-1347-29DC-70F5-E9F27AC4C8C8}"/>
+                <a16:creationId xmlns:a16="http://schemas.microsoft.com/office/drawing/2014/main" id="{9623A910-526B-D07A-C826-74ADA9158DE8}"/>
               </a:ext>
             </a:extLst>
           </p:cNvPr>
@@ -580,7 +580,7 @@
           <p:cNvPr id="3" name="竖排文字占位符 2">
             <a:extLst>
               <a:ext uri="{FF2B5EF4-FFF2-40B4-BE49-F238E27FC236}">
-                <a16:creationId xmlns:a16="http://schemas.microsoft.com/office/drawing/2014/main" id="{4A7B92A1-83AC-DF36-02FA-48B9A9925474}"/>
+                <a16:creationId xmlns:a16="http://schemas.microsoft.com/office/drawing/2014/main" id="{2174ADA2-6FE6-EA87-C511-93C3A37C58B0}"/>
               </a:ext>
             </a:extLst>
           </p:cNvPr>
@@ -642,7 +642,7 @@
           <p:cNvPr id="4" name="日期占位符 3">
             <a:extLst>
               <a:ext uri="{FF2B5EF4-FFF2-40B4-BE49-F238E27FC236}">
-                <a16:creationId xmlns:a16="http://schemas.microsoft.com/office/drawing/2014/main" id="{46EE0819-B245-6C81-C5AF-865D40CB5F92}"/>
+                <a16:creationId xmlns:a16="http://schemas.microsoft.com/office/drawing/2014/main" id="{048B361E-AB5B-021F-19C8-174608DA5BB3}"/>
               </a:ext>
             </a:extLst>
           </p:cNvPr>
@@ -658,7 +658,7 @@
           <a:bodyPr/>
           <a:lstStyle/>
           <a:p>
-            <a:fld id="{174E78B7-CCD5-4C5A-9C51-B76C41ED7F3A}" type="datetimeFigureOut">
+            <a:fld id="{7B1C4B4A-2C18-46F2-88DF-B3A2AA9AC8D9}" type="datetimeFigureOut">
               <a:rPr lang="zh-CN" altLang="en-US" smtClean="0"/>
               <a:t>2024/3/10</a:t>
             </a:fld>
@@ -671,7 +671,7 @@
           <p:cNvPr id="5" name="页脚占位符 4">
             <a:extLst>
               <a:ext uri="{FF2B5EF4-FFF2-40B4-BE49-F238E27FC236}">
-                <a16:creationId xmlns:a16="http://schemas.microsoft.com/office/drawing/2014/main" id="{5EBBB376-BC83-3945-BE63-E8320F8B508F}"/>
+                <a16:creationId xmlns:a16="http://schemas.microsoft.com/office/drawing/2014/main" id="{488E70F0-3B53-D45A-F27E-EA299BC831AE}"/>
               </a:ext>
             </a:extLst>
           </p:cNvPr>
@@ -696,7 +696,7 @@
           <p:cNvPr id="6" name="灯片编号占位符 5">
             <a:extLst>
               <a:ext uri="{FF2B5EF4-FFF2-40B4-BE49-F238E27FC236}">
-                <a16:creationId xmlns:a16="http://schemas.microsoft.com/office/drawing/2014/main" id="{26FADA05-31DB-A2F8-5D72-C2E330259EEE}"/>
+                <a16:creationId xmlns:a16="http://schemas.microsoft.com/office/drawing/2014/main" id="{6D770D13-1AE4-3967-BE2D-3AEE586F7563}"/>
               </a:ext>
             </a:extLst>
           </p:cNvPr>
@@ -712,7 +712,7 @@
           <a:bodyPr/>
           <a:lstStyle/>
           <a:p>
-            <a:fld id="{59701DB9-78D4-45BE-B03C-0E1198DE073F}" type="slidenum">
+            <a:fld id="{C113A649-D64F-42F6-9E6F-6E5FB21D20AF}" type="slidenum">
               <a:rPr lang="zh-CN" altLang="en-US" smtClean="0"/>
               <a:t>‹#›</a:t>
             </a:fld>
@@ -723,7 +723,7 @@
     </p:spTree>
     <p:extLst>
       <p:ext uri="{BB962C8B-B14F-4D97-AF65-F5344CB8AC3E}">
-        <p14:creationId xmlns:p14="http://schemas.microsoft.com/office/powerpoint/2010/main" val="2295618532"/>
+        <p14:creationId xmlns:p14="http://schemas.microsoft.com/office/powerpoint/2010/main" val="4248844262"/>
       </p:ext>
     </p:extLst>
   </p:cSld>
@@ -755,7 +755,7 @@
           <p:cNvPr id="2" name="标题 1">
             <a:extLst>
               <a:ext uri="{FF2B5EF4-FFF2-40B4-BE49-F238E27FC236}">
-                <a16:creationId xmlns:a16="http://schemas.microsoft.com/office/drawing/2014/main" id="{99C89037-3AB3-3107-F129-C77ED8287C34}"/>
+                <a16:creationId xmlns:a16="http://schemas.microsoft.com/office/drawing/2014/main" id="{A66281BD-C1C7-6919-276A-76B42FE5C487}"/>
               </a:ext>
             </a:extLst>
           </p:cNvPr>
@@ -783,7 +783,7 @@
           <p:cNvPr id="3" name="内容占位符 2">
             <a:extLst>
               <a:ext uri="{FF2B5EF4-FFF2-40B4-BE49-F238E27FC236}">
-                <a16:creationId xmlns:a16="http://schemas.microsoft.com/office/drawing/2014/main" id="{4CFC78AB-B6D3-6AEB-DC2B-BF3D5ECC365A}"/>
+                <a16:creationId xmlns:a16="http://schemas.microsoft.com/office/drawing/2014/main" id="{92061095-45BF-D7B6-87D5-018C1A08E93E}"/>
               </a:ext>
             </a:extLst>
           </p:cNvPr>
@@ -840,7 +840,7 @@
           <p:cNvPr id="4" name="日期占位符 3">
             <a:extLst>
               <a:ext uri="{FF2B5EF4-FFF2-40B4-BE49-F238E27FC236}">
-                <a16:creationId xmlns:a16="http://schemas.microsoft.com/office/drawing/2014/main" id="{0DAA667A-E50D-FDC7-EA2C-32E6FAF7FC97}"/>
+                <a16:creationId xmlns:a16="http://schemas.microsoft.com/office/drawing/2014/main" id="{35F8A3FF-823A-F199-49EC-C1A2891A2B23}"/>
               </a:ext>
             </a:extLst>
           </p:cNvPr>
@@ -856,7 +856,7 @@
           <a:bodyPr/>
           <a:lstStyle/>
           <a:p>
-            <a:fld id="{174E78B7-CCD5-4C5A-9C51-B76C41ED7F3A}" type="datetimeFigureOut">
+            <a:fld id="{7B1C4B4A-2C18-46F2-88DF-B3A2AA9AC8D9}" type="datetimeFigureOut">
               <a:rPr lang="zh-CN" altLang="en-US" smtClean="0"/>
               <a:t>2024/3/10</a:t>
             </a:fld>
@@ -869,7 +869,7 @@
           <p:cNvPr id="5" name="页脚占位符 4">
             <a:extLst>
               <a:ext uri="{FF2B5EF4-FFF2-40B4-BE49-F238E27FC236}">
-                <a16:creationId xmlns:a16="http://schemas.microsoft.com/office/drawing/2014/main" id="{AE5125B7-54CE-6FE8-110D-79DB39A9C400}"/>
+                <a16:creationId xmlns:a16="http://schemas.microsoft.com/office/drawing/2014/main" id="{2193D599-AC41-2F99-60A6-DE5320588384}"/>
               </a:ext>
             </a:extLst>
           </p:cNvPr>
@@ -894,7 +894,7 @@
           <p:cNvPr id="6" name="灯片编号占位符 5">
             <a:extLst>
               <a:ext uri="{FF2B5EF4-FFF2-40B4-BE49-F238E27FC236}">
-                <a16:creationId xmlns:a16="http://schemas.microsoft.com/office/drawing/2014/main" id="{808B3D17-03A9-EFBE-F26F-84FF79ABC449}"/>
+                <a16:creationId xmlns:a16="http://schemas.microsoft.com/office/drawing/2014/main" id="{B063A448-3F8E-E3C8-DC96-27BDEFF297A1}"/>
               </a:ext>
             </a:extLst>
           </p:cNvPr>
@@ -910,7 +910,7 @@
           <a:bodyPr/>
           <a:lstStyle/>
           <a:p>
-            <a:fld id="{59701DB9-78D4-45BE-B03C-0E1198DE073F}" type="slidenum">
+            <a:fld id="{C113A649-D64F-42F6-9E6F-6E5FB21D20AF}" type="slidenum">
               <a:rPr lang="zh-CN" altLang="en-US" smtClean="0"/>
               <a:t>‹#›</a:t>
             </a:fld>
@@ -921,7 +921,7 @@
     </p:spTree>
     <p:extLst>
       <p:ext uri="{BB962C8B-B14F-4D97-AF65-F5344CB8AC3E}">
-        <p14:creationId xmlns:p14="http://schemas.microsoft.com/office/powerpoint/2010/main" val="4027327080"/>
+        <p14:creationId xmlns:p14="http://schemas.microsoft.com/office/powerpoint/2010/main" val="3710956197"/>
       </p:ext>
     </p:extLst>
   </p:cSld>
@@ -953,7 +953,7 @@
           <p:cNvPr id="2" name="标题 1">
             <a:extLst>
               <a:ext uri="{FF2B5EF4-FFF2-40B4-BE49-F238E27FC236}">
-                <a16:creationId xmlns:a16="http://schemas.microsoft.com/office/drawing/2014/main" id="{CB7247FA-CDEC-39CE-5F6A-A7302CD4FC49}"/>
+                <a16:creationId xmlns:a16="http://schemas.microsoft.com/office/drawing/2014/main" id="{FB7CE214-358C-0816-EF2F-0520204E79A2}"/>
               </a:ext>
             </a:extLst>
           </p:cNvPr>
@@ -990,7 +990,7 @@
           <p:cNvPr id="3" name="文本占位符 2">
             <a:extLst>
               <a:ext uri="{FF2B5EF4-FFF2-40B4-BE49-F238E27FC236}">
-                <a16:creationId xmlns:a16="http://schemas.microsoft.com/office/drawing/2014/main" id="{54B78D46-84AA-A913-0239-6015AB0E8803}"/>
+                <a16:creationId xmlns:a16="http://schemas.microsoft.com/office/drawing/2014/main" id="{78C3F628-9F06-9987-9ACE-F7BF0A0BA25A}"/>
               </a:ext>
             </a:extLst>
           </p:cNvPr>
@@ -1115,7 +1115,7 @@
           <p:cNvPr id="4" name="日期占位符 3">
             <a:extLst>
               <a:ext uri="{FF2B5EF4-FFF2-40B4-BE49-F238E27FC236}">
-                <a16:creationId xmlns:a16="http://schemas.microsoft.com/office/drawing/2014/main" id="{1FB7C659-8ECE-8200-1E9D-EC16639A5029}"/>
+                <a16:creationId xmlns:a16="http://schemas.microsoft.com/office/drawing/2014/main" id="{B2806344-209C-710A-6953-CC57FEFD70AC}"/>
               </a:ext>
             </a:extLst>
           </p:cNvPr>
@@ -1131,7 +1131,7 @@
           <a:bodyPr/>
           <a:lstStyle/>
           <a:p>
-            <a:fld id="{174E78B7-CCD5-4C5A-9C51-B76C41ED7F3A}" type="datetimeFigureOut">
+            <a:fld id="{7B1C4B4A-2C18-46F2-88DF-B3A2AA9AC8D9}" type="datetimeFigureOut">
               <a:rPr lang="zh-CN" altLang="en-US" smtClean="0"/>
               <a:t>2024/3/10</a:t>
             </a:fld>
@@ -1144,7 +1144,7 @@
           <p:cNvPr id="5" name="页脚占位符 4">
             <a:extLst>
               <a:ext uri="{FF2B5EF4-FFF2-40B4-BE49-F238E27FC236}">
-                <a16:creationId xmlns:a16="http://schemas.microsoft.com/office/drawing/2014/main" id="{B0B00CED-6A49-FB8C-ABB9-E2059EA7AA67}"/>
+                <a16:creationId xmlns:a16="http://schemas.microsoft.com/office/drawing/2014/main" id="{8417463E-2C10-FC7D-71C0-14508FDA19A2}"/>
               </a:ext>
             </a:extLst>
           </p:cNvPr>
@@ -1169,7 +1169,7 @@
           <p:cNvPr id="6" name="灯片编号占位符 5">
             <a:extLst>
               <a:ext uri="{FF2B5EF4-FFF2-40B4-BE49-F238E27FC236}">
-                <a16:creationId xmlns:a16="http://schemas.microsoft.com/office/drawing/2014/main" id="{45625260-E8B0-EAE4-76DD-A57770ACE19F}"/>
+                <a16:creationId xmlns:a16="http://schemas.microsoft.com/office/drawing/2014/main" id="{E54DEBBF-20BC-F1CB-24D8-BAC5E835D676}"/>
               </a:ext>
             </a:extLst>
           </p:cNvPr>
@@ -1185,7 +1185,7 @@
           <a:bodyPr/>
           <a:lstStyle/>
           <a:p>
-            <a:fld id="{59701DB9-78D4-45BE-B03C-0E1198DE073F}" type="slidenum">
+            <a:fld id="{C113A649-D64F-42F6-9E6F-6E5FB21D20AF}" type="slidenum">
               <a:rPr lang="zh-CN" altLang="en-US" smtClean="0"/>
               <a:t>‹#›</a:t>
             </a:fld>
@@ -1196,7 +1196,7 @@
     </p:spTree>
     <p:extLst>
       <p:ext uri="{BB962C8B-B14F-4D97-AF65-F5344CB8AC3E}">
-        <p14:creationId xmlns:p14="http://schemas.microsoft.com/office/powerpoint/2010/main" val="813710214"/>
+        <p14:creationId xmlns:p14="http://schemas.microsoft.com/office/powerpoint/2010/main" val="185187659"/>
       </p:ext>
     </p:extLst>
   </p:cSld>
@@ -1228,7 +1228,7 @@
           <p:cNvPr id="2" name="标题 1">
             <a:extLst>
               <a:ext uri="{FF2B5EF4-FFF2-40B4-BE49-F238E27FC236}">
-                <a16:creationId xmlns:a16="http://schemas.microsoft.com/office/drawing/2014/main" id="{E14DB94F-ECF4-0D49-3647-0089A9BD4B07}"/>
+                <a16:creationId xmlns:a16="http://schemas.microsoft.com/office/drawing/2014/main" id="{9B616739-FC43-2108-42DC-F5B273BD544D}"/>
               </a:ext>
             </a:extLst>
           </p:cNvPr>
@@ -1256,7 +1256,7 @@
           <p:cNvPr id="3" name="内容占位符 2">
             <a:extLst>
               <a:ext uri="{FF2B5EF4-FFF2-40B4-BE49-F238E27FC236}">
-                <a16:creationId xmlns:a16="http://schemas.microsoft.com/office/drawing/2014/main" id="{6B68FACD-540E-5B73-9533-226E368DB012}"/>
+                <a16:creationId xmlns:a16="http://schemas.microsoft.com/office/drawing/2014/main" id="{04E13A23-035B-362D-A603-B8B2653CB9F6}"/>
               </a:ext>
             </a:extLst>
           </p:cNvPr>
@@ -1318,7 +1318,7 @@
           <p:cNvPr id="4" name="内容占位符 3">
             <a:extLst>
               <a:ext uri="{FF2B5EF4-FFF2-40B4-BE49-F238E27FC236}">
-                <a16:creationId xmlns:a16="http://schemas.microsoft.com/office/drawing/2014/main" id="{4278E4CF-4E52-49D7-CD85-A3B7BB25F70C}"/>
+                <a16:creationId xmlns:a16="http://schemas.microsoft.com/office/drawing/2014/main" id="{EF0EEA5E-6D7D-E24F-434E-27809882E52D}"/>
               </a:ext>
             </a:extLst>
           </p:cNvPr>
@@ -1380,7 +1380,7 @@
           <p:cNvPr id="5" name="日期占位符 4">
             <a:extLst>
               <a:ext uri="{FF2B5EF4-FFF2-40B4-BE49-F238E27FC236}">
-                <a16:creationId xmlns:a16="http://schemas.microsoft.com/office/drawing/2014/main" id="{7A0E3FD6-43EF-9DE2-0FDD-B6A050EE430A}"/>
+                <a16:creationId xmlns:a16="http://schemas.microsoft.com/office/drawing/2014/main" id="{68451D79-78D7-0061-C3B0-06585B4919F7}"/>
               </a:ext>
             </a:extLst>
           </p:cNvPr>
@@ -1396,7 +1396,7 @@
           <a:bodyPr/>
           <a:lstStyle/>
           <a:p>
-            <a:fld id="{174E78B7-CCD5-4C5A-9C51-B76C41ED7F3A}" type="datetimeFigureOut">
+            <a:fld id="{7B1C4B4A-2C18-46F2-88DF-B3A2AA9AC8D9}" type="datetimeFigureOut">
               <a:rPr lang="zh-CN" altLang="en-US" smtClean="0"/>
               <a:t>2024/3/10</a:t>
             </a:fld>
@@ -1409,7 +1409,7 @@
           <p:cNvPr id="6" name="页脚占位符 5">
             <a:extLst>
               <a:ext uri="{FF2B5EF4-FFF2-40B4-BE49-F238E27FC236}">
-                <a16:creationId xmlns:a16="http://schemas.microsoft.com/office/drawing/2014/main" id="{9618E823-8536-915F-0CDD-E912A8D2C8D4}"/>
+                <a16:creationId xmlns:a16="http://schemas.microsoft.com/office/drawing/2014/main" id="{A74A8282-A79B-A2D4-582F-E8658C1E350F}"/>
               </a:ext>
             </a:extLst>
           </p:cNvPr>
@@ -1434,7 +1434,7 @@
           <p:cNvPr id="7" name="灯片编号占位符 6">
             <a:extLst>
               <a:ext uri="{FF2B5EF4-FFF2-40B4-BE49-F238E27FC236}">
-                <a16:creationId xmlns:a16="http://schemas.microsoft.com/office/drawing/2014/main" id="{74C2F7C3-3E6F-4EEA-C04E-D905402BAEF6}"/>
+                <a16:creationId xmlns:a16="http://schemas.microsoft.com/office/drawing/2014/main" id="{EB93EAD9-179D-55D1-3E8C-8010234F6BD0}"/>
               </a:ext>
             </a:extLst>
           </p:cNvPr>
@@ -1450,7 +1450,7 @@
           <a:bodyPr/>
           <a:lstStyle/>
           <a:p>
-            <a:fld id="{59701DB9-78D4-45BE-B03C-0E1198DE073F}" type="slidenum">
+            <a:fld id="{C113A649-D64F-42F6-9E6F-6E5FB21D20AF}" type="slidenum">
               <a:rPr lang="zh-CN" altLang="en-US" smtClean="0"/>
               <a:t>‹#›</a:t>
             </a:fld>
@@ -1461,7 +1461,7 @@
     </p:spTree>
     <p:extLst>
       <p:ext uri="{BB962C8B-B14F-4D97-AF65-F5344CB8AC3E}">
-        <p14:creationId xmlns:p14="http://schemas.microsoft.com/office/powerpoint/2010/main" val="3051462231"/>
+        <p14:creationId xmlns:p14="http://schemas.microsoft.com/office/powerpoint/2010/main" val="3447022502"/>
       </p:ext>
     </p:extLst>
   </p:cSld>
@@ -1493,7 +1493,7 @@
           <p:cNvPr id="2" name="标题 1">
             <a:extLst>
               <a:ext uri="{FF2B5EF4-FFF2-40B4-BE49-F238E27FC236}">
-                <a16:creationId xmlns:a16="http://schemas.microsoft.com/office/drawing/2014/main" id="{CC464753-C386-5785-6928-ADD4DE80EEB3}"/>
+                <a16:creationId xmlns:a16="http://schemas.microsoft.com/office/drawing/2014/main" id="{ACE874AF-18FD-6046-4CA8-E5250BE27894}"/>
               </a:ext>
             </a:extLst>
           </p:cNvPr>
@@ -1526,7 +1526,7 @@
           <p:cNvPr id="3" name="文本占位符 2">
             <a:extLst>
               <a:ext uri="{FF2B5EF4-FFF2-40B4-BE49-F238E27FC236}">
-                <a16:creationId xmlns:a16="http://schemas.microsoft.com/office/drawing/2014/main" id="{3853CCB4-6A4B-287A-90DD-F1B885590A4F}"/>
+                <a16:creationId xmlns:a16="http://schemas.microsoft.com/office/drawing/2014/main" id="{B5936189-CECE-8EDE-6A64-8F21D82682A8}"/>
               </a:ext>
             </a:extLst>
           </p:cNvPr>
@@ -1597,7 +1597,7 @@
           <p:cNvPr id="4" name="内容占位符 3">
             <a:extLst>
               <a:ext uri="{FF2B5EF4-FFF2-40B4-BE49-F238E27FC236}">
-                <a16:creationId xmlns:a16="http://schemas.microsoft.com/office/drawing/2014/main" id="{5185A6BA-AAA7-F417-FFB2-9FF61FE82A7F}"/>
+                <a16:creationId xmlns:a16="http://schemas.microsoft.com/office/drawing/2014/main" id="{0CF68C37-E595-264A-BD9E-5B14AE58FCD5}"/>
               </a:ext>
             </a:extLst>
           </p:cNvPr>
@@ -1659,7 +1659,7 @@
           <p:cNvPr id="5" name="文本占位符 4">
             <a:extLst>
               <a:ext uri="{FF2B5EF4-FFF2-40B4-BE49-F238E27FC236}">
-                <a16:creationId xmlns:a16="http://schemas.microsoft.com/office/drawing/2014/main" id="{DDAD57C3-6D09-4E4F-132C-D58A8DA8CE54}"/>
+                <a16:creationId xmlns:a16="http://schemas.microsoft.com/office/drawing/2014/main" id="{A7BD3D61-0874-A6DF-AA04-85626D465098}"/>
               </a:ext>
             </a:extLst>
           </p:cNvPr>
@@ -1730,7 +1730,7 @@
           <p:cNvPr id="6" name="内容占位符 5">
             <a:extLst>
               <a:ext uri="{FF2B5EF4-FFF2-40B4-BE49-F238E27FC236}">
-                <a16:creationId xmlns:a16="http://schemas.microsoft.com/office/drawing/2014/main" id="{EC6C770C-D905-AAE7-CB38-793F1C8528F3}"/>
+                <a16:creationId xmlns:a16="http://schemas.microsoft.com/office/drawing/2014/main" id="{D326D082-E4C4-80FF-D883-0205443EB3B4}"/>
               </a:ext>
             </a:extLst>
           </p:cNvPr>
@@ -1792,7 +1792,7 @@
           <p:cNvPr id="7" name="日期占位符 6">
             <a:extLst>
               <a:ext uri="{FF2B5EF4-FFF2-40B4-BE49-F238E27FC236}">
-                <a16:creationId xmlns:a16="http://schemas.microsoft.com/office/drawing/2014/main" id="{A79D874A-E6C7-9F62-3D5D-DD33855A6041}"/>
+                <a16:creationId xmlns:a16="http://schemas.microsoft.com/office/drawing/2014/main" id="{0BFFEF0D-AFE9-D103-0C4C-CDF8C67F4D92}"/>
               </a:ext>
             </a:extLst>
           </p:cNvPr>
@@ -1808,7 +1808,7 @@
           <a:bodyPr/>
           <a:lstStyle/>
           <a:p>
-            <a:fld id="{174E78B7-CCD5-4C5A-9C51-B76C41ED7F3A}" type="datetimeFigureOut">
+            <a:fld id="{7B1C4B4A-2C18-46F2-88DF-B3A2AA9AC8D9}" type="datetimeFigureOut">
               <a:rPr lang="zh-CN" altLang="en-US" smtClean="0"/>
               <a:t>2024/3/10</a:t>
             </a:fld>
@@ -1821,7 +1821,7 @@
           <p:cNvPr id="8" name="页脚占位符 7">
             <a:extLst>
               <a:ext uri="{FF2B5EF4-FFF2-40B4-BE49-F238E27FC236}">
-                <a16:creationId xmlns:a16="http://schemas.microsoft.com/office/drawing/2014/main" id="{28FF9E3F-E625-C6F2-A811-1C87EF0C27BE}"/>
+                <a16:creationId xmlns:a16="http://schemas.microsoft.com/office/drawing/2014/main" id="{C6EC352E-D385-6C86-0C85-CE7BC664A175}"/>
               </a:ext>
             </a:extLst>
           </p:cNvPr>
@@ -1846,7 +1846,7 @@
           <p:cNvPr id="9" name="灯片编号占位符 8">
             <a:extLst>
               <a:ext uri="{FF2B5EF4-FFF2-40B4-BE49-F238E27FC236}">
-                <a16:creationId xmlns:a16="http://schemas.microsoft.com/office/drawing/2014/main" id="{419A78A4-B169-05FA-5FEC-BE1C5209DCBA}"/>
+                <a16:creationId xmlns:a16="http://schemas.microsoft.com/office/drawing/2014/main" id="{3889B131-A201-673C-648C-A1BDC8BCE846}"/>
               </a:ext>
             </a:extLst>
           </p:cNvPr>
@@ -1862,7 +1862,7 @@
           <a:bodyPr/>
           <a:lstStyle/>
           <a:p>
-            <a:fld id="{59701DB9-78D4-45BE-B03C-0E1198DE073F}" type="slidenum">
+            <a:fld id="{C113A649-D64F-42F6-9E6F-6E5FB21D20AF}" type="slidenum">
               <a:rPr lang="zh-CN" altLang="en-US" smtClean="0"/>
               <a:t>‹#›</a:t>
             </a:fld>
@@ -1873,7 +1873,7 @@
     </p:spTree>
     <p:extLst>
       <p:ext uri="{BB962C8B-B14F-4D97-AF65-F5344CB8AC3E}">
-        <p14:creationId xmlns:p14="http://schemas.microsoft.com/office/powerpoint/2010/main" val="3337524217"/>
+        <p14:creationId xmlns:p14="http://schemas.microsoft.com/office/powerpoint/2010/main" val="1487999201"/>
       </p:ext>
     </p:extLst>
   </p:cSld>
@@ -1905,7 +1905,7 @@
           <p:cNvPr id="2" name="标题 1">
             <a:extLst>
               <a:ext uri="{FF2B5EF4-FFF2-40B4-BE49-F238E27FC236}">
-                <a16:creationId xmlns:a16="http://schemas.microsoft.com/office/drawing/2014/main" id="{7879CD51-5FA6-7736-182E-FCEC10EFFF92}"/>
+                <a16:creationId xmlns:a16="http://schemas.microsoft.com/office/drawing/2014/main" id="{80BEA6B2-9A5A-739E-5670-D405200D1C2E}"/>
               </a:ext>
             </a:extLst>
           </p:cNvPr>
@@ -1933,7 +1933,7 @@
           <p:cNvPr id="3" name="日期占位符 2">
             <a:extLst>
               <a:ext uri="{FF2B5EF4-FFF2-40B4-BE49-F238E27FC236}">
-                <a16:creationId xmlns:a16="http://schemas.microsoft.com/office/drawing/2014/main" id="{635CFF03-B684-21E9-643E-09B7D9FBF03A}"/>
+                <a16:creationId xmlns:a16="http://schemas.microsoft.com/office/drawing/2014/main" id="{9AA4AD03-3BDB-90F5-E7C0-ACBE2B605EAD}"/>
               </a:ext>
             </a:extLst>
           </p:cNvPr>
@@ -1949,7 +1949,7 @@
           <a:bodyPr/>
           <a:lstStyle/>
           <a:p>
-            <a:fld id="{174E78B7-CCD5-4C5A-9C51-B76C41ED7F3A}" type="datetimeFigureOut">
+            <a:fld id="{7B1C4B4A-2C18-46F2-88DF-B3A2AA9AC8D9}" type="datetimeFigureOut">
               <a:rPr lang="zh-CN" altLang="en-US" smtClean="0"/>
               <a:t>2024/3/10</a:t>
             </a:fld>
@@ -1962,7 +1962,7 @@
           <p:cNvPr id="4" name="页脚占位符 3">
             <a:extLst>
               <a:ext uri="{FF2B5EF4-FFF2-40B4-BE49-F238E27FC236}">
-                <a16:creationId xmlns:a16="http://schemas.microsoft.com/office/drawing/2014/main" id="{1ACEC56D-DE22-476C-9A2B-475893FBA0E5}"/>
+                <a16:creationId xmlns:a16="http://schemas.microsoft.com/office/drawing/2014/main" id="{A4497637-EA0D-9792-E349-211AD9E7D8C8}"/>
               </a:ext>
             </a:extLst>
           </p:cNvPr>
@@ -1987,7 +1987,7 @@
           <p:cNvPr id="5" name="灯片编号占位符 4">
             <a:extLst>
               <a:ext uri="{FF2B5EF4-FFF2-40B4-BE49-F238E27FC236}">
-                <a16:creationId xmlns:a16="http://schemas.microsoft.com/office/drawing/2014/main" id="{9637EDDD-4DD0-C0D1-4C5E-B8D5B94C0FEF}"/>
+                <a16:creationId xmlns:a16="http://schemas.microsoft.com/office/drawing/2014/main" id="{B07F2268-F817-C62E-D381-FBF395D7888E}"/>
               </a:ext>
             </a:extLst>
           </p:cNvPr>
@@ -2003,7 +2003,7 @@
           <a:bodyPr/>
           <a:lstStyle/>
           <a:p>
-            <a:fld id="{59701DB9-78D4-45BE-B03C-0E1198DE073F}" type="slidenum">
+            <a:fld id="{C113A649-D64F-42F6-9E6F-6E5FB21D20AF}" type="slidenum">
               <a:rPr lang="zh-CN" altLang="en-US" smtClean="0"/>
               <a:t>‹#›</a:t>
             </a:fld>
@@ -2014,7 +2014,7 @@
     </p:spTree>
     <p:extLst>
       <p:ext uri="{BB962C8B-B14F-4D97-AF65-F5344CB8AC3E}">
-        <p14:creationId xmlns:p14="http://schemas.microsoft.com/office/powerpoint/2010/main" val="560434420"/>
+        <p14:creationId xmlns:p14="http://schemas.microsoft.com/office/powerpoint/2010/main" val="3279287150"/>
       </p:ext>
     </p:extLst>
   </p:cSld>
@@ -2046,7 +2046,7 @@
           <p:cNvPr id="2" name="日期占位符 1">
             <a:extLst>
               <a:ext uri="{FF2B5EF4-FFF2-40B4-BE49-F238E27FC236}">
-                <a16:creationId xmlns:a16="http://schemas.microsoft.com/office/drawing/2014/main" id="{8F33EEEA-D735-318B-547A-90E2F0348C5D}"/>
+                <a16:creationId xmlns:a16="http://schemas.microsoft.com/office/drawing/2014/main" id="{C9B9BE46-7BCE-AD79-B84F-FF8B61D5D32A}"/>
               </a:ext>
             </a:extLst>
           </p:cNvPr>
@@ -2062,7 +2062,7 @@
           <a:bodyPr/>
           <a:lstStyle/>
           <a:p>
-            <a:fld id="{174E78B7-CCD5-4C5A-9C51-B76C41ED7F3A}" type="datetimeFigureOut">
+            <a:fld id="{7B1C4B4A-2C18-46F2-88DF-B3A2AA9AC8D9}" type="datetimeFigureOut">
               <a:rPr lang="zh-CN" altLang="en-US" smtClean="0"/>
               <a:t>2024/3/10</a:t>
             </a:fld>
@@ -2075,7 +2075,7 @@
           <p:cNvPr id="3" name="页脚占位符 2">
             <a:extLst>
               <a:ext uri="{FF2B5EF4-FFF2-40B4-BE49-F238E27FC236}">
-                <a16:creationId xmlns:a16="http://schemas.microsoft.com/office/drawing/2014/main" id="{5FE874D0-066C-65D7-455F-17E165423ADA}"/>
+                <a16:creationId xmlns:a16="http://schemas.microsoft.com/office/drawing/2014/main" id="{F31F1834-1A92-48F6-8C67-4DD3695312C5}"/>
               </a:ext>
             </a:extLst>
           </p:cNvPr>
@@ -2100,7 +2100,7 @@
           <p:cNvPr id="4" name="灯片编号占位符 3">
             <a:extLst>
               <a:ext uri="{FF2B5EF4-FFF2-40B4-BE49-F238E27FC236}">
-                <a16:creationId xmlns:a16="http://schemas.microsoft.com/office/drawing/2014/main" id="{61E03504-EC6A-D418-52CB-53B9164914D5}"/>
+                <a16:creationId xmlns:a16="http://schemas.microsoft.com/office/drawing/2014/main" id="{C69E6635-4EEC-507A-18F6-B6E30F886BD5}"/>
               </a:ext>
             </a:extLst>
           </p:cNvPr>
@@ -2116,7 +2116,7 @@
           <a:bodyPr/>
           <a:lstStyle/>
           <a:p>
-            <a:fld id="{59701DB9-78D4-45BE-B03C-0E1198DE073F}" type="slidenum">
+            <a:fld id="{C113A649-D64F-42F6-9E6F-6E5FB21D20AF}" type="slidenum">
               <a:rPr lang="zh-CN" altLang="en-US" smtClean="0"/>
               <a:t>‹#›</a:t>
             </a:fld>
@@ -2127,7 +2127,7 @@
     </p:spTree>
     <p:extLst>
       <p:ext uri="{BB962C8B-B14F-4D97-AF65-F5344CB8AC3E}">
-        <p14:creationId xmlns:p14="http://schemas.microsoft.com/office/powerpoint/2010/main" val="3978965346"/>
+        <p14:creationId xmlns:p14="http://schemas.microsoft.com/office/powerpoint/2010/main" val="3608351273"/>
       </p:ext>
     </p:extLst>
   </p:cSld>
@@ -2159,7 +2159,7 @@
           <p:cNvPr id="2" name="标题 1">
             <a:extLst>
               <a:ext uri="{FF2B5EF4-FFF2-40B4-BE49-F238E27FC236}">
-                <a16:creationId xmlns:a16="http://schemas.microsoft.com/office/drawing/2014/main" id="{6C460E01-72DB-5AB3-BC81-CB0A06F9ACC5}"/>
+                <a16:creationId xmlns:a16="http://schemas.microsoft.com/office/drawing/2014/main" id="{72F014A9-5680-2659-CB71-F9660EEEA67D}"/>
               </a:ext>
             </a:extLst>
           </p:cNvPr>
@@ -2196,7 +2196,7 @@
           <p:cNvPr id="3" name="内容占位符 2">
             <a:extLst>
               <a:ext uri="{FF2B5EF4-FFF2-40B4-BE49-F238E27FC236}">
-                <a16:creationId xmlns:a16="http://schemas.microsoft.com/office/drawing/2014/main" id="{879E882D-5CD7-64CC-0DAF-DE2A69A21E55}"/>
+                <a16:creationId xmlns:a16="http://schemas.microsoft.com/office/drawing/2014/main" id="{4BE20BCE-16EB-E3E0-7F7E-BC5B2B48B609}"/>
               </a:ext>
             </a:extLst>
           </p:cNvPr>
@@ -2286,7 +2286,7 @@
           <p:cNvPr id="4" name="文本占位符 3">
             <a:extLst>
               <a:ext uri="{FF2B5EF4-FFF2-40B4-BE49-F238E27FC236}">
-                <a16:creationId xmlns:a16="http://schemas.microsoft.com/office/drawing/2014/main" id="{013504DD-6133-3FF1-03DC-4566272BCF57}"/>
+                <a16:creationId xmlns:a16="http://schemas.microsoft.com/office/drawing/2014/main" id="{D0A47D75-5F6A-DF69-3BC2-2463C41ABB0B}"/>
               </a:ext>
             </a:extLst>
           </p:cNvPr>
@@ -2357,7 +2357,7 @@
           <p:cNvPr id="5" name="日期占位符 4">
             <a:extLst>
               <a:ext uri="{FF2B5EF4-FFF2-40B4-BE49-F238E27FC236}">
-                <a16:creationId xmlns:a16="http://schemas.microsoft.com/office/drawing/2014/main" id="{E8818FDD-04F4-64AD-3506-22476721C16B}"/>
+                <a16:creationId xmlns:a16="http://schemas.microsoft.com/office/drawing/2014/main" id="{CF7CD231-D74B-41E4-F147-ED8CA165F81D}"/>
               </a:ext>
             </a:extLst>
           </p:cNvPr>
@@ -2373,7 +2373,7 @@
           <a:bodyPr/>
           <a:lstStyle/>
           <a:p>
-            <a:fld id="{174E78B7-CCD5-4C5A-9C51-B76C41ED7F3A}" type="datetimeFigureOut">
+            <a:fld id="{7B1C4B4A-2C18-46F2-88DF-B3A2AA9AC8D9}" type="datetimeFigureOut">
               <a:rPr lang="zh-CN" altLang="en-US" smtClean="0"/>
               <a:t>2024/3/10</a:t>
             </a:fld>
@@ -2386,7 +2386,7 @@
           <p:cNvPr id="6" name="页脚占位符 5">
             <a:extLst>
               <a:ext uri="{FF2B5EF4-FFF2-40B4-BE49-F238E27FC236}">
-                <a16:creationId xmlns:a16="http://schemas.microsoft.com/office/drawing/2014/main" id="{FEC00DCF-A759-1F38-E71F-417C37F5B958}"/>
+                <a16:creationId xmlns:a16="http://schemas.microsoft.com/office/drawing/2014/main" id="{2885F62F-304C-26EE-224B-469DEC60AB10}"/>
               </a:ext>
             </a:extLst>
           </p:cNvPr>
@@ -2411,7 +2411,7 @@
           <p:cNvPr id="7" name="灯片编号占位符 6">
             <a:extLst>
               <a:ext uri="{FF2B5EF4-FFF2-40B4-BE49-F238E27FC236}">
-                <a16:creationId xmlns:a16="http://schemas.microsoft.com/office/drawing/2014/main" id="{5EA0E3A7-2A7D-058D-16EC-C96EB0CB571D}"/>
+                <a16:creationId xmlns:a16="http://schemas.microsoft.com/office/drawing/2014/main" id="{464CFA1E-3F45-8BD9-1552-57A433588AA8}"/>
               </a:ext>
             </a:extLst>
           </p:cNvPr>
@@ -2427,7 +2427,7 @@
           <a:bodyPr/>
           <a:lstStyle/>
           <a:p>
-            <a:fld id="{59701DB9-78D4-45BE-B03C-0E1198DE073F}" type="slidenum">
+            <a:fld id="{C113A649-D64F-42F6-9E6F-6E5FB21D20AF}" type="slidenum">
               <a:rPr lang="zh-CN" altLang="en-US" smtClean="0"/>
               <a:t>‹#›</a:t>
             </a:fld>
@@ -2438,7 +2438,7 @@
     </p:spTree>
     <p:extLst>
       <p:ext uri="{BB962C8B-B14F-4D97-AF65-F5344CB8AC3E}">
-        <p14:creationId xmlns:p14="http://schemas.microsoft.com/office/powerpoint/2010/main" val="397076610"/>
+        <p14:creationId xmlns:p14="http://schemas.microsoft.com/office/powerpoint/2010/main" val="2474258696"/>
       </p:ext>
     </p:extLst>
   </p:cSld>
@@ -2470,7 +2470,7 @@
           <p:cNvPr id="2" name="标题 1">
             <a:extLst>
               <a:ext uri="{FF2B5EF4-FFF2-40B4-BE49-F238E27FC236}">
-                <a16:creationId xmlns:a16="http://schemas.microsoft.com/office/drawing/2014/main" id="{1B1BD199-CDFD-CF0D-975A-CED77F50F6E9}"/>
+                <a16:creationId xmlns:a16="http://schemas.microsoft.com/office/drawing/2014/main" id="{E462E891-7609-2DD8-28AE-9CB3458FB97B}"/>
               </a:ext>
             </a:extLst>
           </p:cNvPr>
@@ -2507,7 +2507,7 @@
           <p:cNvPr id="3" name="图片占位符 2">
             <a:extLst>
               <a:ext uri="{FF2B5EF4-FFF2-40B4-BE49-F238E27FC236}">
-                <a16:creationId xmlns:a16="http://schemas.microsoft.com/office/drawing/2014/main" id="{AE6BA031-0274-9545-0CD6-ED41FDCFC8E1}"/>
+                <a16:creationId xmlns:a16="http://schemas.microsoft.com/office/drawing/2014/main" id="{067FFAE8-A317-00E5-3004-9BA4267B3372}"/>
               </a:ext>
             </a:extLst>
           </p:cNvPr>
@@ -2574,7 +2574,7 @@
           <p:cNvPr id="4" name="文本占位符 3">
             <a:extLst>
               <a:ext uri="{FF2B5EF4-FFF2-40B4-BE49-F238E27FC236}">
-                <a16:creationId xmlns:a16="http://schemas.microsoft.com/office/drawing/2014/main" id="{E0CF3114-D6E3-E524-9270-35148C8B2659}"/>
+                <a16:creationId xmlns:a16="http://schemas.microsoft.com/office/drawing/2014/main" id="{07E47A98-384F-1F54-EA0D-28CFA85BE231}"/>
               </a:ext>
             </a:extLst>
           </p:cNvPr>
@@ -2645,7 +2645,7 @@
           <p:cNvPr id="5" name="日期占位符 4">
             <a:extLst>
               <a:ext uri="{FF2B5EF4-FFF2-40B4-BE49-F238E27FC236}">
-                <a16:creationId xmlns:a16="http://schemas.microsoft.com/office/drawing/2014/main" id="{B3319042-CCE5-2BEF-D52C-F72146D86965}"/>
+                <a16:creationId xmlns:a16="http://schemas.microsoft.com/office/drawing/2014/main" id="{F4ACA8AC-EF40-C4F4-0D79-73FAEDE50A19}"/>
               </a:ext>
             </a:extLst>
           </p:cNvPr>
@@ -2661,7 +2661,7 @@
           <a:bodyPr/>
           <a:lstStyle/>
           <a:p>
-            <a:fld id="{174E78B7-CCD5-4C5A-9C51-B76C41ED7F3A}" type="datetimeFigureOut">
+            <a:fld id="{7B1C4B4A-2C18-46F2-88DF-B3A2AA9AC8D9}" type="datetimeFigureOut">
               <a:rPr lang="zh-CN" altLang="en-US" smtClean="0"/>
               <a:t>2024/3/10</a:t>
             </a:fld>
@@ -2674,7 +2674,7 @@
           <p:cNvPr id="6" name="页脚占位符 5">
             <a:extLst>
               <a:ext uri="{FF2B5EF4-FFF2-40B4-BE49-F238E27FC236}">
-                <a16:creationId xmlns:a16="http://schemas.microsoft.com/office/drawing/2014/main" id="{404D035B-F3EE-1D47-843A-0A8A952899E5}"/>
+                <a16:creationId xmlns:a16="http://schemas.microsoft.com/office/drawing/2014/main" id="{1CBF5F58-18E0-CB89-944E-4E41C30E7336}"/>
               </a:ext>
             </a:extLst>
           </p:cNvPr>
@@ -2699,7 +2699,7 @@
           <p:cNvPr id="7" name="灯片编号占位符 6">
             <a:extLst>
               <a:ext uri="{FF2B5EF4-FFF2-40B4-BE49-F238E27FC236}">
-                <a16:creationId xmlns:a16="http://schemas.microsoft.com/office/drawing/2014/main" id="{940B1D2C-626F-4D70-27C6-342DF01EBEE7}"/>
+                <a16:creationId xmlns:a16="http://schemas.microsoft.com/office/drawing/2014/main" id="{165099E3-6A8E-7EBD-06D7-0FC4B5A8B629}"/>
               </a:ext>
             </a:extLst>
           </p:cNvPr>
@@ -2715,7 +2715,7 @@
           <a:bodyPr/>
           <a:lstStyle/>
           <a:p>
-            <a:fld id="{59701DB9-78D4-45BE-B03C-0E1198DE073F}" type="slidenum">
+            <a:fld id="{C113A649-D64F-42F6-9E6F-6E5FB21D20AF}" type="slidenum">
               <a:rPr lang="zh-CN" altLang="en-US" smtClean="0"/>
               <a:t>‹#›</a:t>
             </a:fld>
@@ -2726,7 +2726,7 @@
     </p:spTree>
     <p:extLst>
       <p:ext uri="{BB962C8B-B14F-4D97-AF65-F5344CB8AC3E}">
-        <p14:creationId xmlns:p14="http://schemas.microsoft.com/office/powerpoint/2010/main" val="778504093"/>
+        <p14:creationId xmlns:p14="http://schemas.microsoft.com/office/powerpoint/2010/main" val="2955854481"/>
       </p:ext>
     </p:extLst>
   </p:cSld>
@@ -2763,7 +2763,7 @@
           <p:cNvPr id="2" name="标题占位符 1">
             <a:extLst>
               <a:ext uri="{FF2B5EF4-FFF2-40B4-BE49-F238E27FC236}">
-                <a16:creationId xmlns:a16="http://schemas.microsoft.com/office/drawing/2014/main" id="{8AF30B8D-7FBF-8873-D03D-B690DD5FBD1E}"/>
+                <a16:creationId xmlns:a16="http://schemas.microsoft.com/office/drawing/2014/main" id="{A4690954-75C2-D0FB-08E3-4311CD222A7C}"/>
               </a:ext>
             </a:extLst>
           </p:cNvPr>
@@ -2801,7 +2801,7 @@
           <p:cNvPr id="3" name="文本占位符 2">
             <a:extLst>
               <a:ext uri="{FF2B5EF4-FFF2-40B4-BE49-F238E27FC236}">
-                <a16:creationId xmlns:a16="http://schemas.microsoft.com/office/drawing/2014/main" id="{2087F0EE-F4F8-8159-8E1B-81FC13340F66}"/>
+                <a16:creationId xmlns:a16="http://schemas.microsoft.com/office/drawing/2014/main" id="{D403556C-60D9-AA8E-4DEB-E31140E98BC6}"/>
               </a:ext>
             </a:extLst>
           </p:cNvPr>
@@ -2868,7 +2868,7 @@
           <p:cNvPr id="4" name="日期占位符 3">
             <a:extLst>
               <a:ext uri="{FF2B5EF4-FFF2-40B4-BE49-F238E27FC236}">
-                <a16:creationId xmlns:a16="http://schemas.microsoft.com/office/drawing/2014/main" id="{4BC2E6E2-FDD2-07D1-B3BD-461AF6CE9457}"/>
+                <a16:creationId xmlns:a16="http://schemas.microsoft.com/office/drawing/2014/main" id="{01CBAF36-63E7-2007-B455-D44F5CB59701}"/>
               </a:ext>
             </a:extLst>
           </p:cNvPr>
@@ -2902,7 +2902,7 @@
             </a:lvl1pPr>
           </a:lstStyle>
           <a:p>
-            <a:fld id="{174E78B7-CCD5-4C5A-9C51-B76C41ED7F3A}" type="datetimeFigureOut">
+            <a:fld id="{7B1C4B4A-2C18-46F2-88DF-B3A2AA9AC8D9}" type="datetimeFigureOut">
               <a:rPr lang="zh-CN" altLang="en-US" smtClean="0"/>
               <a:t>2024/3/10</a:t>
             </a:fld>
@@ -2915,7 +2915,7 @@
           <p:cNvPr id="5" name="页脚占位符 4">
             <a:extLst>
               <a:ext uri="{FF2B5EF4-FFF2-40B4-BE49-F238E27FC236}">
-                <a16:creationId xmlns:a16="http://schemas.microsoft.com/office/drawing/2014/main" id="{F2639C78-4E3E-CE2F-BE77-0876469678DB}"/>
+                <a16:creationId xmlns:a16="http://schemas.microsoft.com/office/drawing/2014/main" id="{54AF748A-4899-EE0B-0C50-BC9F9E51856A}"/>
               </a:ext>
             </a:extLst>
           </p:cNvPr>
@@ -2958,7 +2958,7 @@
           <p:cNvPr id="6" name="灯片编号占位符 5">
             <a:extLst>
               <a:ext uri="{FF2B5EF4-FFF2-40B4-BE49-F238E27FC236}">
-                <a16:creationId xmlns:a16="http://schemas.microsoft.com/office/drawing/2014/main" id="{6FBFF078-466E-3549-A97E-06E8AEAA7E73}"/>
+                <a16:creationId xmlns:a16="http://schemas.microsoft.com/office/drawing/2014/main" id="{7A52ABCF-EAE1-3BE5-EADF-F682F3C542C4}"/>
               </a:ext>
             </a:extLst>
           </p:cNvPr>
@@ -2992,7 +2992,7 @@
             </a:lvl1pPr>
           </a:lstStyle>
           <a:p>
-            <a:fld id="{59701DB9-78D4-45BE-B03C-0E1198DE073F}" type="slidenum">
+            <a:fld id="{C113A649-D64F-42F6-9E6F-6E5FB21D20AF}" type="slidenum">
               <a:rPr lang="zh-CN" altLang="en-US" smtClean="0"/>
               <a:t>‹#›</a:t>
             </a:fld>
@@ -3003,7 +3003,7 @@
     </p:spTree>
     <p:extLst>
       <p:ext uri="{BB962C8B-B14F-4D97-AF65-F5344CB8AC3E}">
-        <p14:creationId xmlns:p14="http://schemas.microsoft.com/office/powerpoint/2010/main" val="2481138234"/>
+        <p14:creationId xmlns:p14="http://schemas.microsoft.com/office/powerpoint/2010/main" val="2095062202"/>
       </p:ext>
     </p:extLst>
   </p:cSld>
@@ -3323,7 +3323,7 @@
       </p:grpSpPr>
       <p:pic>
         <p:nvPicPr>
-          <p:cNvPr id="1379330" name="Picture 2" descr="1346"/>
+          <p:cNvPr id="1380354" name="Picture 2" descr="1347"/>
           <p:cNvPicPr>
             <a:picLocks noChangeAspect="1" noChangeArrowheads="1"/>
           </p:cNvPicPr>
@@ -3344,8 +3344,8 @@
         </p:blipFill>
         <p:spPr bwMode="auto">
           <a:xfrm>
-            <a:off x="1524000" y="0"/>
-            <a:ext cx="9144000" cy="6858000"/>
+            <a:off x="1524000" y="1"/>
+            <a:ext cx="9124950" cy="6843713"/>
           </a:xfrm>
           <a:prstGeom prst="rect">
             <a:avLst/>
@@ -3377,7 +3377,7 @@
       </p:pic>
       <p:pic>
         <p:nvPicPr>
-          <p:cNvPr id="1380355" name="Picture 3" descr="1346-2"/>
+          <p:cNvPr id="1381379" name="Picture 3" descr="1347-2"/>
           <p:cNvPicPr>
             <a:picLocks noChangeAspect="1" noChangeArrowheads="1"/>
           </p:cNvPicPr>
@@ -3398,8 +3398,8 @@
         </p:blipFill>
         <p:spPr bwMode="auto">
           <a:xfrm>
-            <a:off x="1524000" y="1"/>
-            <a:ext cx="9124950" cy="6843713"/>
+            <a:off x="1524000" y="0"/>
+            <a:ext cx="9144000" cy="6858000"/>
           </a:xfrm>
           <a:prstGeom prst="rect">
             <a:avLst/>
@@ -3478,7 +3478,7 @@
                                           </p:stCondLst>
                                         </p:cTn>
                                         <p:tgtEl>
-                                          <p:spTgt spid="1380355"/>
+                                          <p:spTgt spid="1381379"/>
                                         </p:tgtEl>
                                         <p:attrNameLst>
                                           <p:attrName>style.visibility</p:attrName>
@@ -3492,7 +3492,7 @@
                                       <p:cBhvr>
                                         <p:cTn id="7" dur="500"/>
                                         <p:tgtEl>
-                                          <p:spTgt spid="1380355"/>
+                                          <p:spTgt spid="1381379"/>
                                         </p:tgtEl>
                                       </p:cBhvr>
                                     </p:animEffect>
